--- a/Git Workshop.pptx
+++ b/Git Workshop.pptx
@@ -5,7 +5,7 @@
     <p:sldMasterId id="2147483648" r:id="rId1"/>
   </p:sldMasterIdLst>
   <p:notesMasterIdLst>
-    <p:notesMasterId r:id="rId57"/>
+    <p:notesMasterId r:id="rId58"/>
   </p:notesMasterIdLst>
   <p:sldIdLst>
     <p:sldId id="477" r:id="rId2"/>
@@ -63,6 +63,7 @@
     <p:sldId id="473" r:id="rId54"/>
     <p:sldId id="474" r:id="rId55"/>
     <p:sldId id="475" r:id="rId56"/>
+    <p:sldId id="478" r:id="rId57"/>
   </p:sldIdLst>
   <p:sldSz cx="9144000" cy="6858000" type="screen4x3"/>
   <p:notesSz cx="6858000" cy="9144000"/>
@@ -274,7 +275,7 @@
           <a:p>
             <a:fld id="{74B741CD-F9A9-4219-9F48-B3AA7E913B63}" type="datetimeFigureOut">
               <a:rPr lang="en-US" smtClean="0"/>
-              <a:t>15.03.2018</a:t>
+              <a:t>16.03.2018</a:t>
             </a:fld>
             <a:endParaRPr lang="en-US"/>
           </a:p>
@@ -5206,7 +5207,9 @@
         </p:nvSpPr>
         <p:spPr/>
         <p:txBody>
-          <a:bodyPr/>
+          <a:bodyPr>
+            <a:normAutofit fontScale="85000" lnSpcReduction="20000"/>
+          </a:bodyPr>
           <a:lstStyle/>
           <a:p>
             <a:r>
@@ -5244,6 +5247,38 @@
             <a:r>
               <a:rPr lang="en-US" dirty="0" smtClean="0"/>
               <a:t>They take too much space in your repository</a:t>
+            </a:r>
+            <a:endParaRPr lang="tr-TR" dirty="0" smtClean="0"/>
+          </a:p>
+          <a:p>
+            <a:endParaRPr lang="en-US" dirty="0" smtClean="0"/>
+          </a:p>
+          <a:p>
+            <a:r>
+              <a:rPr lang="en-US" dirty="0" smtClean="0"/>
+              <a:t>When you are giving this project to your friend, what files does he really need? </a:t>
+            </a:r>
+          </a:p>
+          <a:p>
+            <a:pPr lvl="1"/>
+            <a:r>
+              <a:rPr lang="en-US" dirty="0" smtClean="0"/>
+              <a:t>Include these: </a:t>
+            </a:r>
+            <a:r>
+              <a:rPr lang="en-US" dirty="0"/>
+              <a:t>s</a:t>
+            </a:r>
+            <a:r>
+              <a:rPr lang="en-US" dirty="0" smtClean="0"/>
+              <a:t>ource files, image resources, data files, Unity scene files, etc.</a:t>
+            </a:r>
+          </a:p>
+          <a:p>
+            <a:pPr lvl="1"/>
+            <a:r>
+              <a:rPr lang="en-US" dirty="0" smtClean="0"/>
+              <a:t>Ignore these: temporary files, compile outputs, etc.</a:t>
             </a:r>
           </a:p>
           <a:p>
@@ -5789,7 +5824,6 @@
               <a:rPr lang="en-US" sz="1400" dirty="0"/>
               <a:t>broke everything… :(</a:t>
             </a:r>
-            <a:endParaRPr lang="en-US" sz="1400" dirty="0"/>
           </a:p>
         </p:txBody>
       </p:sp>
@@ -8657,11 +8691,7 @@
           <a:p>
             <a:r>
               <a:rPr lang="en-US" dirty="0" smtClean="0"/>
-              <a:t>Working Together in a </a:t>
-            </a:r>
-            <a:r>
-              <a:rPr lang="en-US" dirty="0" smtClean="0"/>
-              <a:t>Project</a:t>
+              <a:t>Working Together in a Project</a:t>
             </a:r>
             <a:endParaRPr lang="tr-TR" dirty="0"/>
           </a:p>
@@ -8686,11 +8716,7 @@
           <a:p>
             <a:r>
               <a:rPr lang="en-US" dirty="0" smtClean="0"/>
-              <a:t>You need to manage </a:t>
-            </a:r>
-            <a:r>
-              <a:rPr lang="en-US" dirty="0" smtClean="0"/>
-              <a:t>multiple assets</a:t>
+              <a:t>You need to manage multiple assets</a:t>
             </a:r>
           </a:p>
           <a:p>
@@ -8743,7 +8769,6 @@
               <a:rPr lang="en-US" dirty="0" smtClean="0"/>
               <a:t>Using Dropbox etc.</a:t>
             </a:r>
-            <a:endParaRPr lang="en-US" dirty="0" smtClean="0"/>
           </a:p>
         </p:txBody>
       </p:sp>
@@ -12299,6 +12324,86 @@
           </a:p>
         </p:txBody>
       </p:sp>
+      <p:sp>
+        <p:nvSpPr>
+          <p:cNvPr id="35" name="Rectangle 34"/>
+          <p:cNvSpPr/>
+          <p:nvPr/>
+        </p:nvSpPr>
+        <p:spPr>
+          <a:xfrm rot="1992620">
+            <a:off x="4955503" y="2305631"/>
+            <a:ext cx="189683" cy="304800"/>
+          </a:xfrm>
+          <a:prstGeom prst="rect">
+            <a:avLst/>
+          </a:prstGeom>
+        </p:spPr>
+        <p:style>
+          <a:lnRef idx="2">
+            <a:schemeClr val="accent3">
+              <a:shade val="50000"/>
+            </a:schemeClr>
+          </a:lnRef>
+          <a:fillRef idx="1">
+            <a:schemeClr val="accent3"/>
+          </a:fillRef>
+          <a:effectRef idx="0">
+            <a:schemeClr val="accent3"/>
+          </a:effectRef>
+          <a:fontRef idx="minor">
+            <a:schemeClr val="lt1"/>
+          </a:fontRef>
+        </p:style>
+        <p:txBody>
+          <a:bodyPr rtlCol="0" anchor="ctr"/>
+          <a:lstStyle/>
+          <a:p>
+            <a:pPr algn="ctr"/>
+            <a:endParaRPr lang="en-US"/>
+          </a:p>
+        </p:txBody>
+      </p:sp>
+      <p:sp>
+        <p:nvSpPr>
+          <p:cNvPr id="36" name="Rectangle 35"/>
+          <p:cNvSpPr/>
+          <p:nvPr/>
+        </p:nvSpPr>
+        <p:spPr>
+          <a:xfrm rot="19487797">
+            <a:off x="4633914" y="2313783"/>
+            <a:ext cx="189683" cy="304800"/>
+          </a:xfrm>
+          <a:prstGeom prst="rect">
+            <a:avLst/>
+          </a:prstGeom>
+        </p:spPr>
+        <p:style>
+          <a:lnRef idx="2">
+            <a:schemeClr val="accent3">
+              <a:shade val="50000"/>
+            </a:schemeClr>
+          </a:lnRef>
+          <a:fillRef idx="1">
+            <a:schemeClr val="accent3"/>
+          </a:fillRef>
+          <a:effectRef idx="0">
+            <a:schemeClr val="accent3"/>
+          </a:effectRef>
+          <a:fontRef idx="minor">
+            <a:schemeClr val="lt1"/>
+          </a:fontRef>
+        </p:style>
+        <p:txBody>
+          <a:bodyPr rtlCol="0" anchor="ctr"/>
+          <a:lstStyle/>
+          <a:p>
+            <a:pPr algn="ctr"/>
+            <a:endParaRPr lang="en-US"/>
+          </a:p>
+        </p:txBody>
+      </p:sp>
     </p:spTree>
     <p:extLst>
       <p:ext uri="{BB962C8B-B14F-4D97-AF65-F5344CB8AC3E}">
@@ -14073,7 +14178,6 @@
               <a:rPr lang="en-US" sz="1400" dirty="0"/>
               <a:t>Let me send my local repository there</a:t>
             </a:r>
-            <a:endParaRPr lang="en-US" sz="1400" dirty="0"/>
           </a:p>
         </p:txBody>
       </p:sp>
@@ -26933,8 +27037,8 @@
         </p:nvSpPr>
         <p:spPr>
           <a:xfrm>
-            <a:off x="2607692" y="838200"/>
-            <a:ext cx="1659508" cy="985191"/>
+            <a:off x="2895600" y="838200"/>
+            <a:ext cx="2726308" cy="985191"/>
           </a:xfrm>
           <a:prstGeom prst="borderCallout1">
             <a:avLst>
@@ -26968,7 +27072,7 @@
             <a:pPr algn="ctr"/>
             <a:r>
               <a:rPr lang="en-US" dirty="0" smtClean="0"/>
-              <a:t>“Merged” his changes into my version</a:t>
+              <a:t>“Merged” his changes into my version automatically. Choose the rebase option. </a:t>
             </a:r>
             <a:endParaRPr lang="en-US" dirty="0"/>
           </a:p>
@@ -30398,7 +30502,7 @@
           </a:p>
           <a:p>
             <a:r>
-              <a:rPr lang="en-US" dirty="0" smtClean="0"/>
+              <a:rPr lang="en-US" b="1" dirty="0" smtClean="0"/>
               <a:t>THIS IS WHEN YOU FAIL IF YOU ARE NOT CAREFUL</a:t>
             </a:r>
           </a:p>
@@ -30569,11 +30673,7 @@
             <a:pPr lvl="1"/>
             <a:r>
               <a:rPr lang="en-US" dirty="0" smtClean="0"/>
-              <a:t>Project internal files often get </a:t>
-            </a:r>
-            <a:r>
-              <a:rPr lang="en-US" dirty="0" smtClean="0"/>
-              <a:t>corrupted because of simultaneous use</a:t>
+              <a:t>Project internal files often get corrupted because of simultaneous use</a:t>
             </a:r>
             <a:endParaRPr lang="tr-TR" dirty="0"/>
           </a:p>
@@ -35788,7 +35888,6 @@
               <a:rPr lang="en-US" sz="1400" dirty="0"/>
               <a:t>Ok let me resolve the conflicts</a:t>
             </a:r>
-            <a:endParaRPr lang="en-US" sz="1400" dirty="0"/>
           </a:p>
         </p:txBody>
       </p:sp>
@@ -43881,15 +43980,7 @@
           <a:p>
             <a:r>
               <a:rPr lang="en-US" dirty="0" smtClean="0"/>
-              <a:t>Work in different </a:t>
-            </a:r>
-            <a:r>
-              <a:rPr lang="en-US" dirty="0" smtClean="0"/>
-              <a:t>projects</a:t>
-            </a:r>
-            <a:r>
-              <a:rPr lang="en-US" dirty="0" smtClean="0"/>
-              <a:t>!</a:t>
+              <a:t>Work in different projects!</a:t>
             </a:r>
           </a:p>
           <a:p>
@@ -43938,7 +44029,6 @@
               <a:rPr lang="en-US" dirty="0" smtClean="0"/>
               <a:t>The longer you delay the merge, the worse it gets.</a:t>
             </a:r>
-            <a:endParaRPr lang="en-US" dirty="0" smtClean="0"/>
           </a:p>
         </p:txBody>
       </p:sp>
@@ -44113,7 +44203,7 @@
             </a:r>
             <a:r>
               <a:rPr lang="en-US" dirty="0" smtClean="0"/>
-              <a:t>” is the new HEAD and your working tree has the contents of “</a:t>
+              <a:t>” is the new HEAD for you, and your working tree has the contents of “</a:t>
             </a:r>
             <a:r>
               <a:rPr lang="en-US" dirty="0" err="1" smtClean="0"/>
@@ -44121,7 +44211,7 @@
             </a:r>
             <a:r>
               <a:rPr lang="en-US" dirty="0" smtClean="0"/>
-              <a:t>”. Master still has the good copy.</a:t>
+              <a:t>”. The master branch still has the good copy. Other people can still use the master branch just fine. </a:t>
             </a:r>
           </a:p>
         </p:txBody>
@@ -44348,7 +44438,7 @@
             </a:r>
             <a:r>
               <a:rPr lang="en-US" dirty="0" smtClean="0"/>
-              <a:t>” are ready to become the new version, you want to merge it to “master”. It will be as if you started from master and committed changes to it. </a:t>
+              <a:t>” are ready to become the new version, you want to merge it to “master”. It will be as if you had started from master and committed changes to it. </a:t>
             </a:r>
           </a:p>
           <a:p>
@@ -44599,7 +44689,7 @@
           <a:p>
             <a:r>
               <a:rPr lang="en-US" dirty="0" smtClean="0"/>
-              <a:t>Cherry picking: There is a commit somewhere else that you want to apply as a change here without any other changes</a:t>
+              <a:t>Cherry picking: There is a commit somewhere else that you want to apply as a change here without any other changes.</a:t>
             </a:r>
           </a:p>
           <a:p>
@@ -44616,7 +44706,7 @@
             </a:r>
             <a:r>
               <a:rPr lang="en-US" dirty="0" smtClean="0"/>
-              <a:t> file</a:t>
+              <a:t> file.</a:t>
             </a:r>
           </a:p>
           <a:p>
@@ -44625,7 +44715,7 @@
           <a:p>
             <a:r>
               <a:rPr lang="en-US" dirty="0" smtClean="0"/>
-              <a:t>Revert: Create a commit that does the opposite of a commit</a:t>
+              <a:t>Revert: Create a commit that does the opposite of a previous commit.</a:t>
             </a:r>
           </a:p>
           <a:p>
@@ -44804,6 +44894,168 @@
     <p:extLst>
       <p:ext uri="{BB962C8B-B14F-4D97-AF65-F5344CB8AC3E}">
         <p14:creationId xmlns:p14="http://schemas.microsoft.com/office/powerpoint/2010/main" val="1466864107"/>
+      </p:ext>
+    </p:extLst>
+  </p:cSld>
+  <p:clrMapOvr>
+    <a:masterClrMapping/>
+  </p:clrMapOvr>
+</p:sld>
+</file>
+
+<file path=ppt/slides/slide56.xml><?xml version="1.0" encoding="utf-8"?>
+<p:sld xmlns:a="http://schemas.openxmlformats.org/drawingml/2006/main" xmlns:r="http://schemas.openxmlformats.org/officeDocument/2006/relationships" xmlns:p="http://schemas.openxmlformats.org/presentationml/2006/main">
+  <p:cSld>
+    <p:spTree>
+      <p:nvGrpSpPr>
+        <p:cNvPr id="1" name=""/>
+        <p:cNvGrpSpPr/>
+        <p:nvPr/>
+      </p:nvGrpSpPr>
+      <p:grpSpPr>
+        <a:xfrm>
+          <a:off x="0" y="0"/>
+          <a:ext cx="0" cy="0"/>
+          <a:chOff x="0" y="0"/>
+          <a:chExt cx="0" cy="0"/>
+        </a:xfrm>
+      </p:grpSpPr>
+      <p:sp>
+        <p:nvSpPr>
+          <p:cNvPr id="2" name="Title 1"/>
+          <p:cNvSpPr>
+            <a:spLocks noGrp="1"/>
+          </p:cNvSpPr>
+          <p:nvPr>
+            <p:ph type="title"/>
+          </p:nvPr>
+        </p:nvSpPr>
+        <p:spPr/>
+        <p:txBody>
+          <a:bodyPr/>
+          <a:lstStyle/>
+          <a:p>
+            <a:r>
+              <a:rPr lang="en-US" dirty="0" smtClean="0"/>
+              <a:t>A final tip</a:t>
+            </a:r>
+            <a:endParaRPr lang="en-US" dirty="0"/>
+          </a:p>
+        </p:txBody>
+      </p:sp>
+      <p:sp>
+        <p:nvSpPr>
+          <p:cNvPr id="3" name="Content Placeholder 2"/>
+          <p:cNvSpPr>
+            <a:spLocks noGrp="1"/>
+          </p:cNvSpPr>
+          <p:nvPr>
+            <p:ph idx="1"/>
+          </p:nvPr>
+        </p:nvSpPr>
+        <p:spPr/>
+        <p:txBody>
+          <a:bodyPr>
+            <a:normAutofit fontScale="92500" lnSpcReduction="20000"/>
+          </a:bodyPr>
+          <a:lstStyle/>
+          <a:p>
+            <a:r>
+              <a:rPr lang="en-US" dirty="0" smtClean="0"/>
+              <a:t>If you are doing this, you are doing it wrong: </a:t>
+            </a:r>
+          </a:p>
+          <a:p>
+            <a:pPr lvl="1"/>
+            <a:r>
+              <a:rPr lang="en-US" dirty="0" smtClean="0"/>
+              <a:t>“This folder A is the folder that is connected to </a:t>
+            </a:r>
+            <a:r>
+              <a:rPr lang="en-US" dirty="0" err="1" smtClean="0"/>
+              <a:t>git</a:t>
+            </a:r>
+            <a:r>
+              <a:rPr lang="en-US" dirty="0" smtClean="0"/>
+              <a:t>. I’m scared to make any changes there. I will create another copy of the project (folder B) and will work there. When I want to commit something to the repository, I’ll copy-paste that change from folder B to folder A and commit it with </a:t>
+            </a:r>
+            <a:r>
+              <a:rPr lang="en-US" dirty="0" err="1" smtClean="0"/>
+              <a:t>git</a:t>
+            </a:r>
+            <a:r>
+              <a:rPr lang="en-US" dirty="0" smtClean="0"/>
+              <a:t> later.” </a:t>
+            </a:r>
+          </a:p>
+          <a:p>
+            <a:pPr lvl="1"/>
+            <a:endParaRPr lang="en-US" dirty="0" smtClean="0"/>
+          </a:p>
+          <a:p>
+            <a:r>
+              <a:rPr lang="en-US" b="1" dirty="0" smtClean="0"/>
+              <a:t>NOOO! (</a:t>
+            </a:r>
+            <a:r>
+              <a:rPr lang="en-US" b="1" dirty="0" err="1" smtClean="0"/>
+              <a:t>facepalm</a:t>
+            </a:r>
+            <a:r>
+              <a:rPr lang="en-US" b="1" dirty="0" smtClean="0"/>
+              <a:t>)</a:t>
+            </a:r>
+            <a:r>
+              <a:rPr lang="en-US" dirty="0" smtClean="0"/>
+              <a:t> The whole point of </a:t>
+            </a:r>
+            <a:r>
+              <a:rPr lang="en-US" dirty="0" err="1" smtClean="0"/>
+              <a:t>git</a:t>
+            </a:r>
+            <a:r>
+              <a:rPr lang="en-US" dirty="0" smtClean="0"/>
+              <a:t> is that you should be able to work together with live codebases. If you really need a safe space to work in, just create a branch. </a:t>
+            </a:r>
+            <a:r>
+              <a:rPr lang="en-US" dirty="0" err="1" smtClean="0"/>
+              <a:t>Git</a:t>
+            </a:r>
+            <a:r>
+              <a:rPr lang="en-US" dirty="0" smtClean="0"/>
+              <a:t> makes your life easy. The scenario makes your life very difficult. </a:t>
+            </a:r>
+            <a:endParaRPr lang="en-US" dirty="0"/>
+          </a:p>
+        </p:txBody>
+      </p:sp>
+      <p:sp>
+        <p:nvSpPr>
+          <p:cNvPr id="4" name="Slide Number Placeholder 3"/>
+          <p:cNvSpPr>
+            <a:spLocks noGrp="1"/>
+          </p:cNvSpPr>
+          <p:nvPr>
+            <p:ph type="sldNum" sz="quarter" idx="12"/>
+          </p:nvPr>
+        </p:nvSpPr>
+        <p:spPr/>
+        <p:txBody>
+          <a:bodyPr/>
+          <a:lstStyle/>
+          <a:p>
+            <a:fld id="{6C0B9D61-D88E-41CF-ABE5-6122363EED94}" type="slidenum">
+              <a:rPr lang="en-US" smtClean="0"/>
+              <a:t>56</a:t>
+            </a:fld>
+            <a:endParaRPr lang="en-US"/>
+          </a:p>
+        </p:txBody>
+      </p:sp>
+    </p:spTree>
+    <p:extLst>
+      <p:ext uri="{BB962C8B-B14F-4D97-AF65-F5344CB8AC3E}">
+        <p14:creationId xmlns:p14="http://schemas.microsoft.com/office/powerpoint/2010/main" val="4185341240"/>
       </p:ext>
     </p:extLst>
   </p:cSld>
@@ -45060,13 +45312,8 @@
             <a:pPr lvl="1"/>
             <a:r>
               <a:rPr lang="en-US" dirty="0" smtClean="0"/>
-              <a:t>You have full history of your code. You can go back in time. You don’t have to save zips of your project anymore. </a:t>
-            </a:r>
-            <a:r>
-              <a:rPr lang="en-US" dirty="0" smtClean="0"/>
-              <a:t> (Added side benefit)</a:t>
-            </a:r>
-            <a:endParaRPr lang="en-US" dirty="0" smtClean="0"/>
+              <a:t>You have full history of your code. You can go back in time. You don’t have to save zips of your project anymore.  (Added side benefit)</a:t>
+            </a:r>
           </a:p>
           <a:p>
             <a:r>
@@ -45092,15 +45339,7 @@
             <a:pPr lvl="2"/>
             <a:r>
               <a:rPr lang="en-US" dirty="0" smtClean="0"/>
-              <a:t>However, it will be useful in any other kind of project </a:t>
-            </a:r>
-            <a:r>
-              <a:rPr lang="en-US" dirty="0" smtClean="0"/>
-              <a:t>(game, web</a:t>
-            </a:r>
-            <a:r>
-              <a:rPr lang="en-US" dirty="0" smtClean="0"/>
-              <a:t>, embedded, etc.) that you will work on in the future. </a:t>
+              <a:t>However, it will be useful in any other kind of project (game, web, embedded, etc.) that you will work on in the future. </a:t>
             </a:r>
           </a:p>
           <a:p>
